--- a/20181129/PASS GTSSUG 20181129.pptx
+++ b/20181129/PASS GTSSUG 20181129.pptx
@@ -8,7 +8,7 @@
     <p:sldMasterId id="2147483695" r:id="rId4"/>
   </p:sldMasterIdLst>
   <p:notesMasterIdLst>
-    <p:notesMasterId r:id="rId22"/>
+    <p:notesMasterId r:id="rId23"/>
   </p:notesMasterIdLst>
   <p:sldIdLst>
     <p:sldId id="300" r:id="rId5"/>
@@ -22,12 +22,13 @@
     <p:sldId id="303" r:id="rId13"/>
     <p:sldId id="327" r:id="rId14"/>
     <p:sldId id="356" r:id="rId15"/>
-    <p:sldId id="383" r:id="rId16"/>
-    <p:sldId id="377" r:id="rId17"/>
-    <p:sldId id="357" r:id="rId18"/>
-    <p:sldId id="363" r:id="rId19"/>
-    <p:sldId id="367" r:id="rId20"/>
-    <p:sldId id="305" r:id="rId21"/>
+    <p:sldId id="384" r:id="rId16"/>
+    <p:sldId id="383" r:id="rId17"/>
+    <p:sldId id="377" r:id="rId18"/>
+    <p:sldId id="357" r:id="rId19"/>
+    <p:sldId id="363" r:id="rId20"/>
+    <p:sldId id="367" r:id="rId21"/>
+    <p:sldId id="305" r:id="rId22"/>
   </p:sldIdLst>
   <p:sldSz cx="12192000" cy="6858000"/>
   <p:notesSz cx="6858000" cy="9144000"/>
@@ -818,7 +819,7 @@
           <a:p>
             <a:fld id="{8589DCAA-E612-4BC0-AA75-84621265B05F}" type="slidenum">
               <a:rPr lang="en-CA" smtClean="0"/>
-              <a:t>14</a:t>
+              <a:t>15</a:t>
             </a:fld>
             <a:endParaRPr lang="en-CA"/>
           </a:p>
@@ -902,7 +903,7 @@
           <a:p>
             <a:fld id="{8589DCAA-E612-4BC0-AA75-84621265B05F}" type="slidenum">
               <a:rPr lang="en-CA" smtClean="0"/>
-              <a:t>15</a:t>
+              <a:t>16</a:t>
             </a:fld>
             <a:endParaRPr lang="en-CA"/>
           </a:p>
@@ -10189,6 +10190,192 @@
           <a:chExt cx="0" cy="0"/>
         </a:xfrm>
       </p:grpSpPr>
+      <p:sp>
+        <p:nvSpPr>
+          <p:cNvPr id="2" name="Title 1">
+            <a:extLst>
+              <a:ext uri="{FF2B5EF4-FFF2-40B4-BE49-F238E27FC236}">
+                <a16:creationId xmlns:a16="http://schemas.microsoft.com/office/drawing/2014/main" id="{7CD2EB9F-5FA8-4C17-8392-A37C56B63B0D}"/>
+              </a:ext>
+            </a:extLst>
+          </p:cNvPr>
+          <p:cNvSpPr>
+            <a:spLocks noGrp="1"/>
+          </p:cNvSpPr>
+          <p:nvPr>
+            <p:ph type="title"/>
+          </p:nvPr>
+        </p:nvSpPr>
+        <p:spPr/>
+        <p:txBody>
+          <a:bodyPr/>
+          <a:lstStyle/>
+          <a:p>
+            <a:r>
+              <a:rPr lang="en-US" dirty="0"/>
+              <a:t>Newsletter</a:t>
+            </a:r>
+          </a:p>
+        </p:txBody>
+      </p:sp>
+      <p:sp>
+        <p:nvSpPr>
+          <p:cNvPr id="3" name="Content Placeholder 2">
+            <a:extLst>
+              <a:ext uri="{FF2B5EF4-FFF2-40B4-BE49-F238E27FC236}">
+                <a16:creationId xmlns:a16="http://schemas.microsoft.com/office/drawing/2014/main" id="{B36E4C5B-AEDF-4DE3-9069-616D3DA5C8B4}"/>
+              </a:ext>
+            </a:extLst>
+          </p:cNvPr>
+          <p:cNvSpPr>
+            <a:spLocks noGrp="1"/>
+          </p:cNvSpPr>
+          <p:nvPr>
+            <p:ph idx="1"/>
+          </p:nvPr>
+        </p:nvSpPr>
+        <p:spPr>
+          <a:xfrm>
+            <a:off x="343538" y="1647519"/>
+            <a:ext cx="10865237" cy="4621410"/>
+          </a:xfrm>
+        </p:spPr>
+        <p:txBody>
+          <a:bodyPr/>
+          <a:lstStyle/>
+          <a:p>
+            <a:r>
+              <a:rPr lang="en-US" b="1" dirty="0"/>
+              <a:t>SQL Server Management Studio 18.0 Preview 5</a:t>
+            </a:r>
+            <a:r>
+              <a:rPr lang="en-US" dirty="0"/>
+              <a:t> released on Nov 15</a:t>
+            </a:r>
+          </a:p>
+          <a:p>
+            <a:endParaRPr lang="en-US" dirty="0"/>
+          </a:p>
+          <a:p>
+            <a:r>
+              <a:rPr lang="en-US" dirty="0">
+                <a:hlinkClick r:id="rId2"/>
+              </a:rPr>
+              <a:t>https://docs.microsoft.com/en-us/sql/ssms/download-sql-server-management-studio-ssms?view=sql-server-2017#ssms-180-preview-5</a:t>
+            </a:r>
+            <a:endParaRPr lang="en-US" dirty="0"/>
+          </a:p>
+          <a:p>
+            <a:endParaRPr lang="en-US" dirty="0"/>
+          </a:p>
+          <a:p>
+            <a:pPr marL="342900" indent="-342900">
+              <a:buFont typeface="Arial" panose="020B0604020202020204" pitchFamily="34" charset="0"/>
+              <a:buChar char="•"/>
+            </a:pPr>
+            <a:r>
+              <a:rPr lang="en-US" dirty="0"/>
+              <a:t>It supports SQL Server 2019 new features</a:t>
+            </a:r>
+          </a:p>
+          <a:p>
+            <a:pPr marL="342900" indent="-342900">
+              <a:buFont typeface="Arial" panose="020B0604020202020204" pitchFamily="34" charset="0"/>
+              <a:buChar char="•"/>
+            </a:pPr>
+            <a:r>
+              <a:rPr lang="en-US" dirty="0"/>
+              <a:t>Latest Azure SQL Database and Datawarehouse support</a:t>
+            </a:r>
+          </a:p>
+          <a:p>
+            <a:pPr marL="342900" indent="-342900">
+              <a:buFont typeface="Arial" panose="020B0604020202020204" pitchFamily="34" charset="0"/>
+              <a:buChar char="•"/>
+            </a:pPr>
+            <a:r>
+              <a:rPr lang="en-US" dirty="0"/>
+              <a:t>Legacy SSIS support (DTS packages) will be removed on this version</a:t>
+            </a:r>
+          </a:p>
+          <a:p>
+            <a:pPr marL="342900" indent="-342900">
+              <a:buFont typeface="Arial" panose="020B0604020202020204" pitchFamily="34" charset="0"/>
+              <a:buChar char="•"/>
+            </a:pPr>
+            <a:r>
+              <a:rPr lang="en-US" dirty="0"/>
+              <a:t>Bug fixes</a:t>
+            </a:r>
+          </a:p>
+        </p:txBody>
+      </p:sp>
+      <p:pic>
+        <p:nvPicPr>
+          <p:cNvPr id="5" name="Picture 4">
+            <a:extLst>
+              <a:ext uri="{FF2B5EF4-FFF2-40B4-BE49-F238E27FC236}">
+                <a16:creationId xmlns:a16="http://schemas.microsoft.com/office/drawing/2014/main" id="{D3352A25-5ACF-451E-853C-AF21A4B4C3CF}"/>
+              </a:ext>
+            </a:extLst>
+          </p:cNvPr>
+          <p:cNvPicPr>
+            <a:picLocks noChangeAspect="1"/>
+          </p:cNvPicPr>
+          <p:nvPr/>
+        </p:nvPicPr>
+        <p:blipFill>
+          <a:blip r:embed="rId3">
+            <a:extLst>
+              <a:ext uri="{28A0092B-C50C-407E-A947-70E740481C1C}">
+                <a14:useLocalDpi xmlns:a14="http://schemas.microsoft.com/office/drawing/2010/main" val="0"/>
+              </a:ext>
+            </a:extLst>
+          </a:blip>
+          <a:stretch>
+            <a:fillRect/>
+          </a:stretch>
+        </p:blipFill>
+        <p:spPr>
+          <a:xfrm>
+            <a:off x="8518788" y="3266768"/>
+            <a:ext cx="2689988" cy="2750574"/>
+          </a:xfrm>
+          <a:prstGeom prst="rect">
+            <a:avLst/>
+          </a:prstGeom>
+        </p:spPr>
+      </p:pic>
+    </p:spTree>
+    <p:extLst>
+      <p:ext uri="{BB962C8B-B14F-4D97-AF65-F5344CB8AC3E}">
+        <p14:creationId xmlns:p14="http://schemas.microsoft.com/office/powerpoint/2010/main" val="4224378538"/>
+      </p:ext>
+    </p:extLst>
+  </p:cSld>
+  <p:clrMapOvr>
+    <a:masterClrMapping/>
+  </p:clrMapOvr>
+</p:sld>
+</file>
+
+<file path=ppt/slides/slide13.xml><?xml version="1.0" encoding="utf-8"?>
+<p:sld xmlns:a="http://schemas.openxmlformats.org/drawingml/2006/main" xmlns:r="http://schemas.openxmlformats.org/officeDocument/2006/relationships" xmlns:p="http://schemas.openxmlformats.org/presentationml/2006/main">
+  <p:cSld>
+    <p:spTree>
+      <p:nvGrpSpPr>
+        <p:cNvPr id="1" name=""/>
+        <p:cNvGrpSpPr/>
+        <p:nvPr/>
+      </p:nvGrpSpPr>
+      <p:grpSpPr>
+        <a:xfrm>
+          <a:off x="0" y="0"/>
+          <a:ext cx="0" cy="0"/>
+          <a:chOff x="0" y="0"/>
+          <a:chExt cx="0" cy="0"/>
+        </a:xfrm>
+      </p:grpSpPr>
       <p:pic>
         <p:nvPicPr>
           <p:cNvPr id="4" name="Content Placeholder 3">
@@ -10264,7 +10451,7 @@
 </p:sld>
 </file>
 
-<file path=ppt/slides/slide13.xml><?xml version="1.0" encoding="utf-8"?>
+<file path=ppt/slides/slide14.xml><?xml version="1.0" encoding="utf-8"?>
 <p:sld xmlns:a="http://schemas.openxmlformats.org/drawingml/2006/main" xmlns:r="http://schemas.openxmlformats.org/officeDocument/2006/relationships" xmlns:p="http://schemas.openxmlformats.org/presentationml/2006/main">
   <p:cSld>
     <p:spTree>
@@ -10371,7 +10558,7 @@
 </p:sld>
 </file>
 
-<file path=ppt/slides/slide14.xml><?xml version="1.0" encoding="utf-8"?>
+<file path=ppt/slides/slide15.xml><?xml version="1.0" encoding="utf-8"?>
 <p:sld xmlns:a="http://schemas.openxmlformats.org/drawingml/2006/main" xmlns:r="http://schemas.openxmlformats.org/officeDocument/2006/relationships" xmlns:p="http://schemas.openxmlformats.org/presentationml/2006/main">
   <p:cSld>
     <p:spTree>
@@ -10537,7 +10724,7 @@
 </p:sld>
 </file>
 
-<file path=ppt/slides/slide15.xml><?xml version="1.0" encoding="utf-8"?>
+<file path=ppt/slides/slide16.xml><?xml version="1.0" encoding="utf-8"?>
 <p:sld xmlns:a="http://schemas.openxmlformats.org/drawingml/2006/main" xmlns:r="http://schemas.openxmlformats.org/officeDocument/2006/relationships" xmlns:p="http://schemas.openxmlformats.org/presentationml/2006/main">
   <p:cSld>
     <p:spTree>
@@ -10578,7 +10765,7 @@
           <a:p>
             <a:r>
               <a:rPr lang="en-US" dirty="0"/>
-              <a:t>Resources</a:t>
+              <a:t>Survey</a:t>
             </a:r>
           </a:p>
         </p:txBody>
@@ -10599,8 +10786,8 @@
         </p:nvSpPr>
         <p:spPr>
           <a:xfrm>
-            <a:off x="527990" y="1306279"/>
-            <a:ext cx="5988965" cy="589935"/>
+            <a:off x="380506" y="1512756"/>
+            <a:ext cx="8837236" cy="589935"/>
           </a:xfrm>
           <a:prstGeom prst="rect">
             <a:avLst/>
@@ -10784,7 +10971,7 @@
                   <a:schemeClr val="tx1"/>
                 </a:solidFill>
               </a:rPr>
-              <a:t>For all the links just scan the following QR code:</a:t>
+              <a:t>Just scan the following QR code and help us filling the form:</a:t>
             </a:r>
           </a:p>
           <a:p>
@@ -10803,10 +10990,10 @@
       </p:sp>
       <p:pic>
         <p:nvPicPr>
-          <p:cNvPr id="4" name="Picture 3">
+          <p:cNvPr id="5" name="Picture 4">
             <a:extLst>
               <a:ext uri="{FF2B5EF4-FFF2-40B4-BE49-F238E27FC236}">
-                <a16:creationId xmlns:a16="http://schemas.microsoft.com/office/drawing/2014/main" id="{2D11E3AA-1E1F-4F62-802B-DBD869A5FBDD}"/>
+                <a16:creationId xmlns:a16="http://schemas.microsoft.com/office/drawing/2014/main" id="{68AC52DE-C859-4B70-A934-C798A1A755C2}"/>
               </a:ext>
             </a:extLst>
           </p:cNvPr>
@@ -10829,8 +11016,8 @@
         </p:blipFill>
         <p:spPr>
           <a:xfrm>
-            <a:off x="4265982" y="1645490"/>
-            <a:ext cx="4501945" cy="4501945"/>
+            <a:off x="3904636" y="1955207"/>
+            <a:ext cx="4636598" cy="4636598"/>
           </a:xfrm>
           <a:prstGeom prst="rect">
             <a:avLst/>
@@ -10850,7 +11037,7 @@
 </p:sld>
 </file>
 
-<file path=ppt/slides/slide16.xml><?xml version="1.0" encoding="utf-8"?>
+<file path=ppt/slides/slide17.xml><?xml version="1.0" encoding="utf-8"?>
 <p:sld xmlns:a="http://schemas.openxmlformats.org/drawingml/2006/main" xmlns:r="http://schemas.openxmlformats.org/officeDocument/2006/relationships" xmlns:p="http://schemas.openxmlformats.org/presentationml/2006/main">
   <p:cSld>
     <p:spTree>
@@ -10994,7 +11181,7 @@
         </p:blipFill>
         <p:spPr bwMode="auto">
           <a:xfrm>
-            <a:off x="4649536" y="3479553"/>
+            <a:off x="1213162" y="3421170"/>
             <a:ext cx="972572" cy="972572"/>
           </a:xfrm>
           <a:prstGeom prst="rect">
@@ -11037,7 +11224,7 @@
         </p:blipFill>
         <p:spPr bwMode="auto">
           <a:xfrm>
-            <a:off x="6539235" y="3524827"/>
+            <a:off x="3205991" y="3487337"/>
             <a:ext cx="1033065" cy="840238"/>
           </a:xfrm>
           <a:prstGeom prst="rect">
@@ -11208,6 +11395,80 @@
           </a:p>
         </p:txBody>
       </p:sp>
+      <p:pic>
+        <p:nvPicPr>
+          <p:cNvPr id="5" name="Picture 4">
+            <a:hlinkClick r:id="rId6"/>
+            <a:extLst>
+              <a:ext uri="{FF2B5EF4-FFF2-40B4-BE49-F238E27FC236}">
+                <a16:creationId xmlns:a16="http://schemas.microsoft.com/office/drawing/2014/main" id="{282B4CD2-EF03-499C-85CF-859471E388E2}"/>
+              </a:ext>
+            </a:extLst>
+          </p:cNvPr>
+          <p:cNvPicPr>
+            <a:picLocks noChangeAspect="1"/>
+          </p:cNvPicPr>
+          <p:nvPr/>
+        </p:nvPicPr>
+        <p:blipFill>
+          <a:blip r:embed="rId7">
+            <a:extLst>
+              <a:ext uri="{28A0092B-C50C-407E-A947-70E740481C1C}">
+                <a14:useLocalDpi xmlns:a14="http://schemas.microsoft.com/office/drawing/2010/main" val="0"/>
+              </a:ext>
+            </a:extLst>
+          </a:blip>
+          <a:stretch>
+            <a:fillRect/>
+          </a:stretch>
+        </p:blipFill>
+        <p:spPr>
+          <a:xfrm>
+            <a:off x="5259313" y="3543432"/>
+            <a:ext cx="2539704" cy="728049"/>
+          </a:xfrm>
+          <a:prstGeom prst="rect">
+            <a:avLst/>
+          </a:prstGeom>
+        </p:spPr>
+      </p:pic>
+      <p:pic>
+        <p:nvPicPr>
+          <p:cNvPr id="7" name="Picture 6">
+            <a:hlinkClick r:id="rId8"/>
+            <a:extLst>
+              <a:ext uri="{FF2B5EF4-FFF2-40B4-BE49-F238E27FC236}">
+                <a16:creationId xmlns:a16="http://schemas.microsoft.com/office/drawing/2014/main" id="{0E984045-47EE-4364-A001-8A8E75D00A56}"/>
+              </a:ext>
+            </a:extLst>
+          </p:cNvPr>
+          <p:cNvPicPr>
+            <a:picLocks noChangeAspect="1"/>
+          </p:cNvPicPr>
+          <p:nvPr/>
+        </p:nvPicPr>
+        <p:blipFill>
+          <a:blip r:embed="rId9">
+            <a:extLst>
+              <a:ext uri="{28A0092B-C50C-407E-A947-70E740481C1C}">
+                <a14:useLocalDpi xmlns:a14="http://schemas.microsoft.com/office/drawing/2010/main" val="0"/>
+              </a:ext>
+            </a:extLst>
+          </a:blip>
+          <a:stretch>
+            <a:fillRect/>
+          </a:stretch>
+        </p:blipFill>
+        <p:spPr>
+          <a:xfrm>
+            <a:off x="8819273" y="3500800"/>
+            <a:ext cx="1983688" cy="813312"/>
+          </a:xfrm>
+          <a:prstGeom prst="rect">
+            <a:avLst/>
+          </a:prstGeom>
+        </p:spPr>
+      </p:pic>
     </p:spTree>
     <p:extLst>
       <p:ext uri="{BB962C8B-B14F-4D97-AF65-F5344CB8AC3E}">
@@ -11221,7 +11482,7 @@
 </p:sld>
 </file>
 
-<file path=ppt/slides/slide17.xml><?xml version="1.0" encoding="utf-8"?>
+<file path=ppt/slides/slide18.xml><?xml version="1.0" encoding="utf-8"?>
 <p:sld xmlns:a="http://schemas.openxmlformats.org/drawingml/2006/main" xmlns:r="http://schemas.openxmlformats.org/officeDocument/2006/relationships" xmlns:p="http://schemas.openxmlformats.org/presentationml/2006/main">
   <p:cSld>
     <p:spTree>
@@ -12113,15 +12374,6 @@
             </a:endParaRPr>
           </a:p>
           <a:p>
-            <a:r>
-              <a:rPr lang="en-US" sz="2800" dirty="0">
-                <a:solidFill>
-                  <a:srgbClr val="293338"/>
-                </a:solidFill>
-                <a:hlinkClick r:id="rId3"/>
-              </a:rPr>
-              <a:t>github.com/GTSSUG</a:t>
-            </a:r>
             <a:endParaRPr lang="en-US" sz="2800" dirty="0">
               <a:solidFill>
                 <a:srgbClr val="293338"/>
@@ -12151,7 +12403,7 @@
           <p:nvPr/>
         </p:nvPicPr>
         <p:blipFill>
-          <a:blip r:embed="rId4">
+          <a:blip r:embed="rId3">
             <a:extLst>
               <a:ext uri="{28A0092B-C50C-407E-A947-70E740481C1C}">
                 <a14:useLocalDpi xmlns:a14="http://schemas.microsoft.com/office/drawing/2010/main" val="0"/>
@@ -16249,14 +16501,14 @@
           </a:ln>
           <a:extLst>
             <a:ext uri="{909E8E84-426E-40dd-AFC4-6F175D3DCCD1}">
-              <a14:hiddenFill xmlns:a14="http://schemas.microsoft.com/office/drawing/2010/main" xmlns="">
+              <a14:hiddenFill xmlns="" xmlns:a14="http://schemas.microsoft.com/office/drawing/2010/main">
                 <a:solidFill>
                   <a:srgbClr val="FFFFFF"/>
                 </a:solidFill>
               </a14:hiddenFill>
             </a:ext>
             <a:ext uri="{91240B29-F687-4f45-9708-019B960494DF}">
-              <a14:hiddenLine xmlns:a14="http://schemas.microsoft.com/office/drawing/2010/main" xmlns="" w="9525">
+              <a14:hiddenLine xmlns="" xmlns:a14="http://schemas.microsoft.com/office/drawing/2010/main" w="9525">
                 <a:solidFill>
                   <a:srgbClr val="000000"/>
                 </a:solidFill>
@@ -16505,14 +16757,14 @@
           </a:ln>
           <a:extLst>
             <a:ext uri="{909E8E84-426E-40dd-AFC4-6F175D3DCCD1}">
-              <a14:hiddenFill xmlns:a14="http://schemas.microsoft.com/office/drawing/2010/main" xmlns="">
+              <a14:hiddenFill xmlns="" xmlns:a14="http://schemas.microsoft.com/office/drawing/2010/main">
                 <a:solidFill>
                   <a:srgbClr val="FFFFFF"/>
                 </a:solidFill>
               </a14:hiddenFill>
             </a:ext>
             <a:ext uri="{91240B29-F687-4f45-9708-019B960494DF}">
-              <a14:hiddenLine xmlns:a14="http://schemas.microsoft.com/office/drawing/2010/main" xmlns="" w="9525">
+              <a14:hiddenLine xmlns="" xmlns:a14="http://schemas.microsoft.com/office/drawing/2010/main" w="9525">
                 <a:solidFill>
                   <a:srgbClr val="000000"/>
                 </a:solidFill>
@@ -16807,14 +17059,14 @@
           </a:ln>
           <a:extLst>
             <a:ext uri="{909E8E84-426E-40dd-AFC4-6F175D3DCCD1}">
-              <a14:hiddenFill xmlns:a14="http://schemas.microsoft.com/office/drawing/2010/main" xmlns="">
+              <a14:hiddenFill xmlns="" xmlns:a14="http://schemas.microsoft.com/office/drawing/2010/main">
                 <a:solidFill>
                   <a:srgbClr val="FFFFFF"/>
                 </a:solidFill>
               </a14:hiddenFill>
             </a:ext>
             <a:ext uri="{91240B29-F687-4f45-9708-019B960494DF}">
-              <a14:hiddenLine xmlns:a14="http://schemas.microsoft.com/office/drawing/2010/main" xmlns="" w="9525">
+              <a14:hiddenLine xmlns="" xmlns:a14="http://schemas.microsoft.com/office/drawing/2010/main" w="9525">
                 <a:solidFill>
                   <a:srgbClr val="000000"/>
                 </a:solidFill>
@@ -17173,14 +17425,14 @@
           </a:ln>
           <a:extLst>
             <a:ext uri="{909E8E84-426E-40dd-AFC4-6F175D3DCCD1}">
-              <a14:hiddenFill xmlns:a14="http://schemas.microsoft.com/office/drawing/2010/main" xmlns="">
+              <a14:hiddenFill xmlns="" xmlns:a14="http://schemas.microsoft.com/office/drawing/2010/main">
                 <a:solidFill>
                   <a:srgbClr val="FFFFFF"/>
                 </a:solidFill>
               </a14:hiddenFill>
             </a:ext>
             <a:ext uri="{91240B29-F687-4f45-9708-019B960494DF}">
-              <a14:hiddenLine xmlns:a14="http://schemas.microsoft.com/office/drawing/2010/main" xmlns="" w="9525">
+              <a14:hiddenLine xmlns="" xmlns:a14="http://schemas.microsoft.com/office/drawing/2010/main" w="9525">
                 <a:solidFill>
                   <a:srgbClr val="000000"/>
                 </a:solidFill>
@@ -17461,7 +17713,7 @@
           </a:ln>
           <a:extLst>
             <a:ext uri="{91240B29-F687-4f45-9708-019B960494DF}">
-              <a14:hiddenLine xmlns:a14="http://schemas.microsoft.com/office/drawing/2010/main" xmlns="" w="9525">
+              <a14:hiddenLine xmlns="" xmlns:a14="http://schemas.microsoft.com/office/drawing/2010/main" w="9525">
                 <a:solidFill>
                   <a:srgbClr val="000000"/>
                 </a:solidFill>
@@ -17634,14 +17886,14 @@
           </a:ln>
           <a:extLst>
             <a:ext uri="{909E8E84-426E-40dd-AFC4-6F175D3DCCD1}">
-              <a14:hiddenFill xmlns:a14="http://schemas.microsoft.com/office/drawing/2010/main" xmlns="">
+              <a14:hiddenFill xmlns="" xmlns:a14="http://schemas.microsoft.com/office/drawing/2010/main">
                 <a:solidFill>
                   <a:srgbClr val="FFFFFF"/>
                 </a:solidFill>
               </a14:hiddenFill>
             </a:ext>
             <a:ext uri="{91240B29-F687-4f45-9708-019B960494DF}">
-              <a14:hiddenLine xmlns:a14="http://schemas.microsoft.com/office/drawing/2010/main" xmlns="" w="9525">
+              <a14:hiddenLine xmlns="" xmlns:a14="http://schemas.microsoft.com/office/drawing/2010/main" w="9525">
                 <a:solidFill>
                   <a:srgbClr val="000000"/>
                 </a:solidFill>
@@ -18094,7 +18346,7 @@
           </a:ln>
           <a:extLst>
             <a:ext uri="{91240B29-F687-4f45-9708-019B960494DF}">
-              <a14:hiddenLine xmlns:a14="http://schemas.microsoft.com/office/drawing/2010/main" xmlns="" w="9525">
+              <a14:hiddenLine xmlns="" xmlns:a14="http://schemas.microsoft.com/office/drawing/2010/main" w="9525">
                 <a:solidFill>
                   <a:srgbClr val="000000"/>
                 </a:solidFill>
@@ -18431,14 +18683,14 @@
           </a:ln>
           <a:extLst>
             <a:ext uri="{909E8E84-426E-40dd-AFC4-6F175D3DCCD1}">
-              <a14:hiddenFill xmlns:a14="http://schemas.microsoft.com/office/drawing/2010/main" xmlns="">
+              <a14:hiddenFill xmlns="" xmlns:a14="http://schemas.microsoft.com/office/drawing/2010/main">
                 <a:solidFill>
                   <a:srgbClr val="FFFFFF"/>
                 </a:solidFill>
               </a14:hiddenFill>
             </a:ext>
             <a:ext uri="{91240B29-F687-4f45-9708-019B960494DF}">
-              <a14:hiddenLine xmlns:a14="http://schemas.microsoft.com/office/drawing/2010/main" xmlns="" w="9525">
+              <a14:hiddenLine xmlns="" xmlns:a14="http://schemas.microsoft.com/office/drawing/2010/main" w="9525">
                 <a:solidFill>
                   <a:srgbClr val="000000"/>
                 </a:solidFill>
